--- a/report/protal.pptx
+++ b/report/protal.pptx
@@ -11,9 +11,10 @@
     <p:sldId id="262" r:id="rId5"/>
     <p:sldId id="265" r:id="rId6"/>
     <p:sldId id="266" r:id="rId7"/>
-    <p:sldId id="267" r:id="rId8"/>
-    <p:sldId id="264" r:id="rId9"/>
-    <p:sldId id="261" r:id="rId10"/>
+    <p:sldId id="264" r:id="rId8"/>
+    <p:sldId id="268" r:id="rId9"/>
+    <p:sldId id="267" r:id="rId10"/>
+    <p:sldId id="261" r:id="rId11"/>
   </p:sldIdLst>
   <p:sldSz cx="12192000" cy="6858000"/>
   <p:notesSz cx="6858000" cy="9144000"/>
@@ -114,7 +115,7 @@
   </p:defaultTextStyle>
   <p:extLst>
     <p:ext uri="{EFAFB233-063F-42B5-8137-9DF3F51BA10A}">
-      <p15:sldGuideLst xmlns:p15="http://schemas.microsoft.com/office/powerpoint/2012/main" xmlns=""/>
+      <p15:sldGuideLst xmlns="" xmlns:p15="http://schemas.microsoft.com/office/powerpoint/2012/main"/>
     </p:ext>
   </p:extLst>
 </p:presentation>
@@ -310,7 +311,7 @@
           <a:p>
             <a:fld id="{71270693-2A7A-415F-A323-DCBF312A9453}" type="datetimeFigureOut">
               <a:rPr lang="ru-RU" smtClean="0"/>
-              <a:t>05.05.2017</a:t>
+              <a:t>08.05.2017</a:t>
             </a:fld>
             <a:endParaRPr lang="ru-RU"/>
           </a:p>
@@ -515,7 +516,7 @@
           <a:p>
             <a:fld id="{71270693-2A7A-415F-A323-DCBF312A9453}" type="datetimeFigureOut">
               <a:rPr lang="ru-RU" smtClean="0"/>
-              <a:t>05.05.2017</a:t>
+              <a:t>08.05.2017</a:t>
             </a:fld>
             <a:endParaRPr lang="ru-RU"/>
           </a:p>
@@ -695,7 +696,7 @@
           <a:p>
             <a:fld id="{71270693-2A7A-415F-A323-DCBF312A9453}" type="datetimeFigureOut">
               <a:rPr lang="ru-RU" smtClean="0"/>
-              <a:t>05.05.2017</a:t>
+              <a:t>08.05.2017</a:t>
             </a:fld>
             <a:endParaRPr lang="ru-RU"/>
           </a:p>
@@ -900,7 +901,7 @@
           <a:p>
             <a:fld id="{71270693-2A7A-415F-A323-DCBF312A9453}" type="datetimeFigureOut">
               <a:rPr lang="ru-RU" smtClean="0"/>
-              <a:t>05.05.2017</a:t>
+              <a:t>08.05.2017</a:t>
             </a:fld>
             <a:endParaRPr lang="ru-RU"/>
           </a:p>
@@ -1195,7 +1196,7 @@
           <a:p>
             <a:fld id="{71270693-2A7A-415F-A323-DCBF312A9453}" type="datetimeFigureOut">
               <a:rPr lang="ru-RU" smtClean="0"/>
-              <a:t>05.05.2017</a:t>
+              <a:t>08.05.2017</a:t>
             </a:fld>
             <a:endParaRPr lang="ru-RU"/>
           </a:p>
@@ -1467,7 +1468,7 @@
           <a:p>
             <a:fld id="{71270693-2A7A-415F-A323-DCBF312A9453}" type="datetimeFigureOut">
               <a:rPr lang="ru-RU" smtClean="0"/>
-              <a:t>05.05.2017</a:t>
+              <a:t>08.05.2017</a:t>
             </a:fld>
             <a:endParaRPr lang="ru-RU"/>
           </a:p>
@@ -1874,7 +1875,7 @@
           <a:p>
             <a:fld id="{71270693-2A7A-415F-A323-DCBF312A9453}" type="datetimeFigureOut">
               <a:rPr lang="ru-RU" smtClean="0"/>
-              <a:t>05.05.2017</a:t>
+              <a:t>08.05.2017</a:t>
             </a:fld>
             <a:endParaRPr lang="ru-RU"/>
           </a:p>
@@ -1992,7 +1993,7 @@
           <a:p>
             <a:fld id="{71270693-2A7A-415F-A323-DCBF312A9453}" type="datetimeFigureOut">
               <a:rPr lang="ru-RU" smtClean="0"/>
-              <a:t>05.05.2017</a:t>
+              <a:t>08.05.2017</a:t>
             </a:fld>
             <a:endParaRPr lang="ru-RU"/>
           </a:p>
@@ -2087,7 +2088,7 @@
           <a:p>
             <a:fld id="{71270693-2A7A-415F-A323-DCBF312A9453}" type="datetimeFigureOut">
               <a:rPr lang="ru-RU" smtClean="0"/>
-              <a:t>05.05.2017</a:t>
+              <a:t>08.05.2017</a:t>
             </a:fld>
             <a:endParaRPr lang="ru-RU"/>
           </a:p>
@@ -2377,7 +2378,7 @@
           <a:p>
             <a:fld id="{71270693-2A7A-415F-A323-DCBF312A9453}" type="datetimeFigureOut">
               <a:rPr lang="ru-RU" smtClean="0"/>
-              <a:t>05.05.2017</a:t>
+              <a:t>08.05.2017</a:t>
             </a:fld>
             <a:endParaRPr lang="ru-RU"/>
           </a:p>
@@ -2657,7 +2658,7 @@
           <a:p>
             <a:fld id="{71270693-2A7A-415F-A323-DCBF312A9453}" type="datetimeFigureOut">
               <a:rPr lang="ru-RU" smtClean="0"/>
-              <a:t>05.05.2017</a:t>
+              <a:t>08.05.2017</a:t>
             </a:fld>
             <a:endParaRPr lang="ru-RU"/>
           </a:p>
@@ -2907,7 +2908,7 @@
           <a:p>
             <a:fld id="{71270693-2A7A-415F-A323-DCBF312A9453}" type="datetimeFigureOut">
               <a:rPr lang="ru-RU" smtClean="0"/>
-              <a:t>05.05.2017</a:t>
+              <a:t>08.05.2017</a:t>
             </a:fld>
             <a:endParaRPr lang="ru-RU"/>
           </a:p>
@@ -3459,15 +3460,7 @@
             </a:r>
             <a:r>
               <a:rPr lang="ru-RU" b="1" dirty="0" smtClean="0"/>
-              <a:t> </a:t>
-            </a:r>
-            <a:r>
-              <a:rPr lang="ru-RU" b="1" dirty="0" smtClean="0"/>
-              <a:t>«Н</a:t>
-            </a:r>
-            <a:r>
-              <a:rPr lang="ru-RU" b="1" dirty="0" smtClean="0"/>
-              <a:t>омер пять»</a:t>
+              <a:t> «Номер пять»</a:t>
             </a:r>
           </a:p>
           <a:p>
@@ -3588,6 +3581,76 @@
 </p:sld>
 </file>
 
+<file path=ppt/slides/slide10.xml><?xml version="1.0" encoding="utf-8"?>
+<p:sld xmlns:a="http://schemas.openxmlformats.org/drawingml/2006/main" xmlns:r="http://schemas.openxmlformats.org/officeDocument/2006/relationships" xmlns:p="http://schemas.openxmlformats.org/presentationml/2006/main">
+  <p:cSld>
+    <p:spTree>
+      <p:nvGrpSpPr>
+        <p:cNvPr id="1" name=""/>
+        <p:cNvGrpSpPr/>
+        <p:nvPr/>
+      </p:nvGrpSpPr>
+      <p:grpSpPr>
+        <a:xfrm>
+          <a:off x="0" y="0"/>
+          <a:ext cx="0" cy="0"/>
+          <a:chOff x="0" y="0"/>
+          <a:chExt cx="0" cy="0"/>
+        </a:xfrm>
+      </p:grpSpPr>
+      <p:sp>
+        <p:nvSpPr>
+          <p:cNvPr id="5" name="Прямоугольник 4"/>
+          <p:cNvSpPr/>
+          <p:nvPr/>
+        </p:nvSpPr>
+        <p:spPr>
+          <a:xfrm>
+            <a:off x="2011679" y="2808905"/>
+            <a:ext cx="9147497" cy="1015663"/>
+          </a:xfrm>
+          <a:prstGeom prst="rect">
+            <a:avLst/>
+          </a:prstGeom>
+        </p:spPr>
+        <p:txBody>
+          <a:bodyPr wrap="square">
+            <a:spAutoFit/>
+          </a:bodyPr>
+          <a:lstStyle/>
+          <a:p>
+            <a:r>
+              <a:rPr lang="ru-RU" sz="6000" dirty="0" smtClean="0"/>
+              <a:t>СПАСИБО ЗА ВНИМАНИЕ</a:t>
+            </a:r>
+            <a:r>
+              <a:rPr lang="en-US" sz="6000" dirty="0" smtClean="0"/>
+              <a:t>!</a:t>
+            </a:r>
+            <a:endParaRPr lang="ru-RU" sz="6000" dirty="0"/>
+          </a:p>
+        </p:txBody>
+      </p:sp>
+    </p:spTree>
+    <p:extLst>
+      <p:ext uri="{BB962C8B-B14F-4D97-AF65-F5344CB8AC3E}">
+        <p14:creationId xmlns:p14="http://schemas.microsoft.com/office/powerpoint/2010/main" val="1580312327"/>
+      </p:ext>
+    </p:extLst>
+  </p:cSld>
+  <p:clrMapOvr>
+    <a:masterClrMapping/>
+  </p:clrMapOvr>
+  <p:timing>
+    <p:tnLst>
+      <p:par>
+        <p:cTn id="1" dur="indefinite" restart="never" nodeType="tmRoot"/>
+      </p:par>
+    </p:tnLst>
+  </p:timing>
+</p:sld>
+</file>
+
 <file path=ppt/slides/slide2.xml><?xml version="1.0" encoding="utf-8"?>
 <p:sld xmlns:a="http://schemas.openxmlformats.org/drawingml/2006/main" xmlns:r="http://schemas.openxmlformats.org/officeDocument/2006/relationships" xmlns:p="http://schemas.openxmlformats.org/presentationml/2006/main">
   <p:cSld>
@@ -3855,15 +3918,7 @@
             </a:pPr>
             <a:r>
               <a:rPr lang="ru-RU" dirty="0" smtClean="0"/>
-              <a:t> Реализовать </a:t>
-            </a:r>
-            <a:r>
-              <a:rPr lang="ru-RU" dirty="0" smtClean="0"/>
-              <a:t>ИИ </a:t>
-            </a:r>
-            <a:r>
-              <a:rPr lang="ru-RU" dirty="0" smtClean="0"/>
-              <a:t>трех видов турелей (статичная, охотник, патрулирующая)</a:t>
+              <a:t> Реализовать ИИ трех видов турелей (статичная, охотник, патрулирующая)</a:t>
             </a:r>
             <a:endParaRPr lang="ru-RU" dirty="0"/>
           </a:p>
@@ -4058,7 +4113,7 @@
       </p:pic>
       <p:pic>
         <p:nvPicPr>
-          <p:cNvPr id="1026" name="Picture 2" descr="F:\Programming\Projects\new\Portal2D\report\img\5lvl.JPG"/>
+          <p:cNvPr id="4098" name="Picture 2" descr="F:\Programming\Projects\Poratal\Portal2D\report\img\5lvl.JPG"/>
           <p:cNvPicPr>
             <a:picLocks noChangeAspect="1" noChangeArrowheads="1"/>
           </p:cNvPicPr>
@@ -4079,8 +4134,8 @@
         </p:blipFill>
         <p:spPr bwMode="auto">
           <a:xfrm>
-            <a:off x="3948860" y="2047869"/>
-            <a:ext cx="4238625" cy="3362325"/>
+            <a:off x="3856892" y="2516914"/>
+            <a:ext cx="4086225" cy="3113087"/>
           </a:xfrm>
           <a:prstGeom prst="rect">
             <a:avLst/>
@@ -4157,29 +4212,88 @@
           </a:p>
         </p:txBody>
       </p:sp>
-      <p:sp>
-        <p:nvSpPr>
-          <p:cNvPr id="3" name="Объект 2"/>
-          <p:cNvSpPr>
-            <a:spLocks noGrp="1"/>
-          </p:cNvSpPr>
-          <p:nvPr>
-            <p:ph idx="1"/>
-          </p:nvPr>
-        </p:nvSpPr>
-        <p:spPr/>
-        <p:txBody>
-          <a:bodyPr/>
-          <a:lstStyle/>
-          <a:p>
-            <a:r>
-              <a:rPr lang="ru-RU" dirty="0" smtClean="0"/>
-              <a:t>ТУТ ГИФКА С БЕГАЮЩИМ ГЕРОЕМ И СТРЕЛЯЮЩЕЙ ТУРЕЛЬЮ</a:t>
-            </a:r>
-            <a:endParaRPr lang="ru-RU" dirty="0"/>
-          </a:p>
-        </p:txBody>
-      </p:sp>
+      <p:pic>
+        <p:nvPicPr>
+          <p:cNvPr id="1027" name="Picture 3" descr="F:\Programming\Projects\Poratal\Portal2D\report\img\moving.gif"/>
+          <p:cNvPicPr>
+            <a:picLocks noChangeAspect="1" noChangeArrowheads="1" noCrop="1"/>
+          </p:cNvPicPr>
+          <p:nvPr/>
+        </p:nvPicPr>
+        <p:blipFill>
+          <a:blip r:embed="rId2">
+            <a:extLst>
+              <a:ext uri="{28A0092B-C50C-407E-A947-70E740481C1C}">
+                <a14:useLocalDpi xmlns:a14="http://schemas.microsoft.com/office/drawing/2010/main" val="0"/>
+              </a:ext>
+            </a:extLst>
+          </a:blip>
+          <a:srcRect/>
+          <a:stretch>
+            <a:fillRect/>
+          </a:stretch>
+        </p:blipFill>
+        <p:spPr bwMode="auto">
+          <a:xfrm>
+            <a:off x="1554073" y="2738107"/>
+            <a:ext cx="4000500" cy="3048000"/>
+          </a:xfrm>
+          <a:prstGeom prst="rect">
+            <a:avLst/>
+          </a:prstGeom>
+          <a:noFill/>
+          <a:extLst>
+            <a:ext uri="{909E8E84-426E-40DD-AFC4-6F175D3DCCD1}">
+              <a14:hiddenFill xmlns:a14="http://schemas.microsoft.com/office/drawing/2010/main">
+                <a:solidFill>
+                  <a:srgbClr val="FFFFFF"/>
+                </a:solidFill>
+              </a14:hiddenFill>
+            </a:ext>
+          </a:extLst>
+        </p:spPr>
+      </p:pic>
+      <p:pic>
+        <p:nvPicPr>
+          <p:cNvPr id="1029" name="Picture 5" descr="F:\Programming\Projects\Poratal\Portal2D\report\img\jump.gif"/>
+          <p:cNvPicPr>
+            <a:picLocks noChangeAspect="1" noChangeArrowheads="1" noCrop="1"/>
+          </p:cNvPicPr>
+          <p:nvPr/>
+        </p:nvPicPr>
+        <p:blipFill>
+          <a:blip r:embed="rId3">
+            <a:extLst>
+              <a:ext uri="{28A0092B-C50C-407E-A947-70E740481C1C}">
+                <a14:useLocalDpi xmlns:a14="http://schemas.microsoft.com/office/drawing/2010/main" val="0"/>
+              </a:ext>
+            </a:extLst>
+          </a:blip>
+          <a:srcRect/>
+          <a:stretch>
+            <a:fillRect/>
+          </a:stretch>
+        </p:blipFill>
+        <p:spPr bwMode="auto">
+          <a:xfrm>
+            <a:off x="7221149" y="2738107"/>
+            <a:ext cx="4000500" cy="3048000"/>
+          </a:xfrm>
+          <a:prstGeom prst="rect">
+            <a:avLst/>
+          </a:prstGeom>
+          <a:noFill/>
+          <a:extLst>
+            <a:ext uri="{909E8E84-426E-40DD-AFC4-6F175D3DCCD1}">
+              <a14:hiddenFill xmlns:a14="http://schemas.microsoft.com/office/drawing/2010/main">
+                <a:solidFill>
+                  <a:srgbClr val="FFFFFF"/>
+                </a:solidFill>
+              </a14:hiddenFill>
+            </a:ext>
+          </a:extLst>
+        </p:spPr>
+      </p:pic>
     </p:spTree>
     <p:extLst>
       <p:ext uri="{BB962C8B-B14F-4D97-AF65-F5344CB8AC3E}">
@@ -4240,32 +4354,88 @@
           </a:p>
         </p:txBody>
       </p:sp>
-      <p:sp>
-        <p:nvSpPr>
-          <p:cNvPr id="3" name="Объект 2"/>
-          <p:cNvSpPr>
-            <a:spLocks noGrp="1"/>
-          </p:cNvSpPr>
-          <p:nvPr>
-            <p:ph idx="1"/>
-          </p:nvPr>
-        </p:nvSpPr>
-        <p:spPr/>
-        <p:txBody>
-          <a:bodyPr/>
-          <a:lstStyle/>
-          <a:p>
-            <a:pPr marL="0" indent="0">
-              <a:buNone/>
-            </a:pPr>
-            <a:r>
-              <a:rPr lang="ru-RU" dirty="0" smtClean="0"/>
-              <a:t>ОТКРЫТИЕ И ПЕРЕМЕЩЕНИЕ ПО ПОРТАЛАМ</a:t>
-            </a:r>
-            <a:endParaRPr lang="ru-RU" dirty="0"/>
-          </a:p>
-        </p:txBody>
-      </p:sp>
+      <p:pic>
+        <p:nvPicPr>
+          <p:cNvPr id="2051" name="Picture 3" descr="F:\Programming\Projects\Poratal\Portal2D\report\img\entering_portals.gif"/>
+          <p:cNvPicPr>
+            <a:picLocks noChangeAspect="1" noChangeArrowheads="1" noCrop="1"/>
+          </p:cNvPicPr>
+          <p:nvPr/>
+        </p:nvPicPr>
+        <p:blipFill>
+          <a:blip r:embed="rId2">
+            <a:extLst>
+              <a:ext uri="{28A0092B-C50C-407E-A947-70E740481C1C}">
+                <a14:useLocalDpi xmlns:a14="http://schemas.microsoft.com/office/drawing/2010/main" val="0"/>
+              </a:ext>
+            </a:extLst>
+          </a:blip>
+          <a:srcRect/>
+          <a:stretch>
+            <a:fillRect/>
+          </a:stretch>
+        </p:blipFill>
+        <p:spPr bwMode="auto">
+          <a:xfrm>
+            <a:off x="7099959" y="2590710"/>
+            <a:ext cx="4000500" cy="3048000"/>
+          </a:xfrm>
+          <a:prstGeom prst="rect">
+            <a:avLst/>
+          </a:prstGeom>
+          <a:noFill/>
+          <a:extLst>
+            <a:ext uri="{909E8E84-426E-40DD-AFC4-6F175D3DCCD1}">
+              <a14:hiddenFill xmlns:a14="http://schemas.microsoft.com/office/drawing/2010/main">
+                <a:solidFill>
+                  <a:srgbClr val="FFFFFF"/>
+                </a:solidFill>
+              </a14:hiddenFill>
+            </a:ext>
+          </a:extLst>
+        </p:spPr>
+      </p:pic>
+      <p:pic>
+        <p:nvPicPr>
+          <p:cNvPr id="2052" name="Picture 4" descr="F:\Programming\Projects\Poratal\Portal2D\report\img\setting_the_portals.gif"/>
+          <p:cNvPicPr>
+            <a:picLocks noChangeAspect="1" noChangeArrowheads="1" noCrop="1"/>
+          </p:cNvPicPr>
+          <p:nvPr/>
+        </p:nvPicPr>
+        <p:blipFill>
+          <a:blip r:embed="rId3">
+            <a:extLst>
+              <a:ext uri="{28A0092B-C50C-407E-A947-70E740481C1C}">
+                <a14:useLocalDpi xmlns:a14="http://schemas.microsoft.com/office/drawing/2010/main" val="0"/>
+              </a:ext>
+            </a:extLst>
+          </a:blip>
+          <a:srcRect/>
+          <a:stretch>
+            <a:fillRect/>
+          </a:stretch>
+        </p:blipFill>
+        <p:spPr bwMode="auto">
+          <a:xfrm>
+            <a:off x="1449867" y="2590710"/>
+            <a:ext cx="4000500" cy="3048000"/>
+          </a:xfrm>
+          <a:prstGeom prst="rect">
+            <a:avLst/>
+          </a:prstGeom>
+          <a:noFill/>
+          <a:extLst>
+            <a:ext uri="{909E8E84-426E-40DD-AFC4-6F175D3DCCD1}">
+              <a14:hiddenFill xmlns:a14="http://schemas.microsoft.com/office/drawing/2010/main">
+                <a:solidFill>
+                  <a:srgbClr val="FFFFFF"/>
+                </a:solidFill>
+              </a14:hiddenFill>
+            </a:ext>
+          </a:extLst>
+        </p:spPr>
+      </p:pic>
     </p:spTree>
     <p:extLst>
       <p:ext uri="{BB962C8B-B14F-4D97-AF65-F5344CB8AC3E}">
@@ -4320,7 +4490,7 @@
           <a:p>
             <a:r>
               <a:rPr lang="ru-RU" dirty="0" smtClean="0"/>
-              <a:t>Таблица рекордов</a:t>
+              <a:t>Прочие персонажи</a:t>
             </a:r>
             <a:endParaRPr lang="ru-RU" dirty="0"/>
           </a:p>
@@ -4341,15 +4511,79 @@
           <a:bodyPr/>
           <a:lstStyle/>
           <a:p>
+            <a:pPr indent="900000"/>
+            <a:r>
+              <a:rPr lang="ru-RU" dirty="0" smtClean="0"/>
+              <a:t>К прочим персонажам относятся: стационарные турели, движущиеся турели. Турели пытаются уничтожить игрока. В зависимости от уровня возможности турелей меняются. На более поздних уровнях турель из статической превращается в движущуюся. Также увеличивается урон от снарядов и дальность поражения.</a:t>
+            </a:r>
+          </a:p>
+        </p:txBody>
+      </p:sp>
+    </p:spTree>
+    <p:extLst>
+      <p:ext uri="{BB962C8B-B14F-4D97-AF65-F5344CB8AC3E}">
+        <p14:creationId xmlns:p14="http://schemas.microsoft.com/office/powerpoint/2010/main" val="2259258008"/>
+      </p:ext>
+    </p:extLst>
+  </p:cSld>
+  <p:clrMapOvr>
+    <a:masterClrMapping/>
+  </p:clrMapOvr>
+  <p:timing>
+    <p:tnLst>
+      <p:par>
+        <p:cTn id="1" dur="indefinite" restart="never" nodeType="tmRoot"/>
+      </p:par>
+    </p:tnLst>
+  </p:timing>
+</p:sld>
+</file>
+
+<file path=ppt/slides/slide8.xml><?xml version="1.0" encoding="utf-8"?>
+<p:sld xmlns:a="http://schemas.openxmlformats.org/drawingml/2006/main" xmlns:r="http://schemas.openxmlformats.org/officeDocument/2006/relationships" xmlns:p="http://schemas.openxmlformats.org/presentationml/2006/main">
+  <p:cSld>
+    <p:spTree>
+      <p:nvGrpSpPr>
+        <p:cNvPr id="1" name=""/>
+        <p:cNvGrpSpPr/>
+        <p:nvPr/>
+      </p:nvGrpSpPr>
+      <p:grpSpPr>
+        <a:xfrm>
+          <a:off x="0" y="0"/>
+          <a:ext cx="0" cy="0"/>
+          <a:chOff x="0" y="0"/>
+          <a:chExt cx="0" cy="0"/>
+        </a:xfrm>
+      </p:grpSpPr>
+      <p:sp>
+        <p:nvSpPr>
+          <p:cNvPr id="2" name="Заголовок 1"/>
+          <p:cNvSpPr>
+            <a:spLocks noGrp="1"/>
+          </p:cNvSpPr>
+          <p:nvPr>
+            <p:ph type="title"/>
+          </p:nvPr>
+        </p:nvSpPr>
+        <p:spPr/>
+        <p:txBody>
+          <a:bodyPr/>
+          <a:lstStyle/>
+          <a:p>
+            <a:r>
+              <a:rPr lang="ru-RU" dirty="0" smtClean="0"/>
+              <a:t>Турели</a:t>
+            </a:r>
             <a:endParaRPr lang="ru-RU" dirty="0"/>
           </a:p>
         </p:txBody>
       </p:sp>
       <p:pic>
         <p:nvPicPr>
-          <p:cNvPr id="3075" name="Picture 3" descr="F:\Programming\Projects\new\Portal2D\report\img\menuSearch.JPG"/>
+          <p:cNvPr id="3074" name="Picture 2" descr="F:\Programming\Projects\Poratal\Portal2D\report\img\hunter_turret_moving.gif"/>
           <p:cNvPicPr>
-            <a:picLocks noChangeAspect="1" noChangeArrowheads="1"/>
+            <a:picLocks noChangeAspect="1" noChangeArrowheads="1" noCrop="1"/>
           </p:cNvPicPr>
           <p:nvPr/>
         </p:nvPicPr>
@@ -4368,8 +4602,8 @@
         </p:blipFill>
         <p:spPr bwMode="auto">
           <a:xfrm>
-            <a:off x="7315201" y="3750573"/>
-            <a:ext cx="4317940" cy="2241856"/>
+            <a:off x="3617913" y="2446031"/>
+            <a:ext cx="4000500" cy="3048000"/>
           </a:xfrm>
           <a:prstGeom prst="rect">
             <a:avLst/>
@@ -4388,9 +4622,9 @@
       </p:pic>
       <p:pic>
         <p:nvPicPr>
-          <p:cNvPr id="3076" name="Picture 4" descr="F:\Programming\Projects\new\Portal2D\report\img\BestOfTheBest.JPG"/>
+          <p:cNvPr id="3075" name="Picture 3" descr="F:\Programming\Projects\Poratal\Portal2D\report\img\platform_turret_moving.gif"/>
           <p:cNvPicPr>
-            <a:picLocks noChangeAspect="1" noChangeArrowheads="1"/>
+            <a:picLocks noChangeAspect="1" noChangeArrowheads="1" noCrop="1"/>
           </p:cNvPicPr>
           <p:nvPr/>
         </p:nvPicPr>
@@ -4409,8 +4643,8 @@
         </p:blipFill>
         <p:spPr bwMode="auto">
           <a:xfrm>
-            <a:off x="587824" y="3750573"/>
-            <a:ext cx="5114925" cy="2047875"/>
+            <a:off x="3617913" y="2446031"/>
+            <a:ext cx="4000500" cy="3048000"/>
           </a:xfrm>
           <a:prstGeom prst="rect">
             <a:avLst/>
@@ -4429,9 +4663,9 @@
       </p:pic>
       <p:pic>
         <p:nvPicPr>
-          <p:cNvPr id="3077" name="Picture 5" descr="F:\Programming\Projects\new\Portal2D\report\img\Nikita's Score.JPG"/>
+          <p:cNvPr id="3076" name="Picture 4" descr="F:\Programming\Projects\Poratal\Portal2D\report\img\shooting_to_hero.gif"/>
           <p:cNvPicPr>
-            <a:picLocks noChangeAspect="1" noChangeArrowheads="1"/>
+            <a:picLocks noChangeAspect="1" noChangeArrowheads="1" noCrop="1"/>
           </p:cNvPicPr>
           <p:nvPr/>
         </p:nvPicPr>
@@ -4450,8 +4684,8 @@
         </p:blipFill>
         <p:spPr bwMode="auto">
           <a:xfrm>
-            <a:off x="4146491" y="1760986"/>
-            <a:ext cx="5076825" cy="1714500"/>
+            <a:off x="3617913" y="2446031"/>
+            <a:ext cx="4000500" cy="3048000"/>
           </a:xfrm>
           <a:prstGeom prst="rect">
             <a:avLst/>
@@ -4471,13 +4705,21 @@
     </p:spTree>
     <p:extLst>
       <p:ext uri="{BB962C8B-B14F-4D97-AF65-F5344CB8AC3E}">
-        <p14:creationId xmlns:p14="http://schemas.microsoft.com/office/powerpoint/2010/main" val="1802757932"/>
+        <p14:creationId xmlns:p14="http://schemas.microsoft.com/office/powerpoint/2010/main" val="1185758561"/>
       </p:ext>
     </p:extLst>
   </p:cSld>
   <p:clrMapOvr>
     <a:masterClrMapping/>
   </p:clrMapOvr>
+  <mc:AlternateContent xmlns:mc="http://schemas.openxmlformats.org/markup-compatibility/2006">
+    <mc:Choice xmlns:p14="http://schemas.microsoft.com/office/powerpoint/2010/main" Requires="p14">
+      <p:transition spd="slow" p14:dur="2000"/>
+    </mc:Choice>
+    <mc:Fallback>
+      <p:transition spd="slow"/>
+    </mc:Fallback>
+  </mc:AlternateContent>
   <p:timing>
     <p:tnLst>
       <p:par>
@@ -4512,7 +4754,7 @@
                                           </p:stCondLst>
                                         </p:cTn>
                                         <p:tgtEl>
-                                          <p:spTgt spid="3075"/>
+                                          <p:spTgt spid="3076"/>
                                         </p:tgtEl>
                                         <p:attrNameLst>
                                           <p:attrName>style.visibility</p:attrName>
@@ -4523,6 +4765,22 @@
                                       </p:to>
                                     </p:set>
                                   </p:childTnLst>
+                                  <p:subTnLst>
+                                    <p:set>
+                                      <p:cBhvr override="childStyle">
+                                        <p:cTn dur="1" fill="hold" display="0" masterRel="nextClick" afterEffect="1"/>
+                                        <p:tgtEl>
+                                          <p:spTgt spid="3076"/>
+                                        </p:tgtEl>
+                                        <p:attrNameLst>
+                                          <p:attrName>style.visibility</p:attrName>
+                                        </p:attrNameLst>
+                                      </p:cBhvr>
+                                      <p:to>
+                                        <p:strVal val="hidden"/>
+                                      </p:to>
+                                    </p:set>
+                                  </p:subTnLst>
                                 </p:cTn>
                               </p:par>
                             </p:childTnLst>
@@ -4557,7 +4815,7 @@
                                           </p:stCondLst>
                                         </p:cTn>
                                         <p:tgtEl>
-                                          <p:spTgt spid="3077"/>
+                                          <p:spTgt spid="3075"/>
                                         </p:tgtEl>
                                         <p:attrNameLst>
                                           <p:attrName>style.visibility</p:attrName>
@@ -4568,6 +4826,22 @@
                                       </p:to>
                                     </p:set>
                                   </p:childTnLst>
+                                  <p:subTnLst>
+                                    <p:set>
+                                      <p:cBhvr override="childStyle">
+                                        <p:cTn dur="1" fill="hold" display="0" masterRel="nextClick" afterEffect="1"/>
+                                        <p:tgtEl>
+                                          <p:spTgt spid="3075"/>
+                                        </p:tgtEl>
+                                        <p:attrNameLst>
+                                          <p:attrName>style.visibility</p:attrName>
+                                        </p:attrNameLst>
+                                      </p:cBhvr>
+                                      <p:to>
+                                        <p:strVal val="hidden"/>
+                                      </p:to>
+                                    </p:set>
+                                  </p:subTnLst>
                                 </p:cTn>
                               </p:par>
                             </p:childTnLst>
@@ -4602,7 +4876,7 @@
                                           </p:stCondLst>
                                         </p:cTn>
                                         <p:tgtEl>
-                                          <p:spTgt spid="3076"/>
+                                          <p:spTgt spid="3074"/>
                                         </p:tgtEl>
                                         <p:attrNameLst>
                                           <p:attrName>style.visibility</p:attrName>
@@ -4613,6 +4887,22 @@
                                       </p:to>
                                     </p:set>
                                   </p:childTnLst>
+                                  <p:subTnLst>
+                                    <p:set>
+                                      <p:cBhvr override="childStyle">
+                                        <p:cTn dur="1" fill="hold" display="0" masterRel="nextClick" afterEffect="1"/>
+                                        <p:tgtEl>
+                                          <p:spTgt spid="3074"/>
+                                        </p:tgtEl>
+                                        <p:attrNameLst>
+                                          <p:attrName>style.visibility</p:attrName>
+                                        </p:attrNameLst>
+                                      </p:cBhvr>
+                                      <p:to>
+                                        <p:strVal val="hidden"/>
+                                      </p:to>
+                                    </p:set>
+                                  </p:subTnLst>
                                 </p:cTn>
                               </p:par>
                             </p:childTnLst>
@@ -4646,89 +4936,6 @@
 </p:sld>
 </file>
 
-<file path=ppt/slides/slide8.xml><?xml version="1.0" encoding="utf-8"?>
-<p:sld xmlns:a="http://schemas.openxmlformats.org/drawingml/2006/main" xmlns:r="http://schemas.openxmlformats.org/officeDocument/2006/relationships" xmlns:p="http://schemas.openxmlformats.org/presentationml/2006/main">
-  <p:cSld>
-    <p:spTree>
-      <p:nvGrpSpPr>
-        <p:cNvPr id="1" name=""/>
-        <p:cNvGrpSpPr/>
-        <p:nvPr/>
-      </p:nvGrpSpPr>
-      <p:grpSpPr>
-        <a:xfrm>
-          <a:off x="0" y="0"/>
-          <a:ext cx="0" cy="0"/>
-          <a:chOff x="0" y="0"/>
-          <a:chExt cx="0" cy="0"/>
-        </a:xfrm>
-      </p:grpSpPr>
-      <p:sp>
-        <p:nvSpPr>
-          <p:cNvPr id="2" name="Заголовок 1"/>
-          <p:cNvSpPr>
-            <a:spLocks noGrp="1"/>
-          </p:cNvSpPr>
-          <p:nvPr>
-            <p:ph type="title"/>
-          </p:nvPr>
-        </p:nvSpPr>
-        <p:spPr/>
-        <p:txBody>
-          <a:bodyPr/>
-          <a:lstStyle/>
-          <a:p>
-            <a:r>
-              <a:rPr lang="ru-RU" dirty="0" smtClean="0"/>
-              <a:t>Прочие персонажи</a:t>
-            </a:r>
-            <a:endParaRPr lang="ru-RU" dirty="0"/>
-          </a:p>
-        </p:txBody>
-      </p:sp>
-      <p:sp>
-        <p:nvSpPr>
-          <p:cNvPr id="3" name="Объект 2"/>
-          <p:cNvSpPr>
-            <a:spLocks noGrp="1"/>
-          </p:cNvSpPr>
-          <p:nvPr>
-            <p:ph idx="1"/>
-          </p:nvPr>
-        </p:nvSpPr>
-        <p:spPr/>
-        <p:txBody>
-          <a:bodyPr/>
-          <a:lstStyle/>
-          <a:p>
-            <a:pPr indent="900000"/>
-            <a:r>
-              <a:rPr lang="ru-RU" dirty="0" smtClean="0"/>
-              <a:t>К прочим персонажам относятся: стационарные турели, движущиеся турели. Турели пытаются уничтожить игрока. В зависимости от уровня возможности турелей меняются. На более поздних уровнях турель из статической превращается в движущуюся. Также увеличивается урон от снарядов и дальность поражения.</a:t>
-            </a:r>
-          </a:p>
-        </p:txBody>
-      </p:sp>
-    </p:spTree>
-    <p:extLst>
-      <p:ext uri="{BB962C8B-B14F-4D97-AF65-F5344CB8AC3E}">
-        <p14:creationId xmlns:p14="http://schemas.microsoft.com/office/powerpoint/2010/main" val="2259258008"/>
-      </p:ext>
-    </p:extLst>
-  </p:cSld>
-  <p:clrMapOvr>
-    <a:masterClrMapping/>
-  </p:clrMapOvr>
-  <p:timing>
-    <p:tnLst>
-      <p:par>
-        <p:cTn id="1" dur="indefinite" restart="never" nodeType="tmRoot"/>
-      </p:par>
-    </p:tnLst>
-  </p:timing>
-</p:sld>
-</file>
-
 <file path=ppt/slides/slide9.xml><?xml version="1.0" encoding="utf-8"?>
 <p:sld xmlns:a="http://schemas.openxmlformats.org/drawingml/2006/main" xmlns:r="http://schemas.openxmlformats.org/officeDocument/2006/relationships" xmlns:p="http://schemas.openxmlformats.org/presentationml/2006/main">
   <p:cSld>
@@ -4748,45 +4955,72 @@
       </p:grpSpPr>
       <p:sp>
         <p:nvSpPr>
-          <p:cNvPr id="5" name="Прямоугольник 4"/>
-          <p:cNvSpPr/>
+          <p:cNvPr id="2" name="Заголовок 1"/>
+          <p:cNvSpPr>
+            <a:spLocks noGrp="1"/>
+          </p:cNvSpPr>
+          <p:nvPr>
+            <p:ph type="title"/>
+          </p:nvPr>
+        </p:nvSpPr>
+        <p:spPr/>
+        <p:txBody>
+          <a:bodyPr/>
+          <a:lstStyle/>
+          <a:p>
+            <a:r>
+              <a:rPr lang="ru-RU" dirty="0" smtClean="0"/>
+              <a:t>Таблица рекордов</a:t>
+            </a:r>
+            <a:endParaRPr lang="ru-RU" dirty="0"/>
+          </a:p>
+        </p:txBody>
+      </p:sp>
+      <p:pic>
+        <p:nvPicPr>
+          <p:cNvPr id="5122" name="Picture 2" descr="F:\Programming\Projects\Poratal\Portal2D\report\img\records.gif"/>
+          <p:cNvPicPr>
+            <a:picLocks noChangeAspect="1" noChangeArrowheads="1" noCrop="1"/>
+          </p:cNvPicPr>
           <p:nvPr/>
-        </p:nvSpPr>
-        <p:spPr>
+        </p:nvPicPr>
+        <p:blipFill>
+          <a:blip r:embed="rId2">
+            <a:extLst>
+              <a:ext uri="{28A0092B-C50C-407E-A947-70E740481C1C}">
+                <a14:useLocalDpi xmlns:a14="http://schemas.microsoft.com/office/drawing/2010/main" val="0"/>
+              </a:ext>
+            </a:extLst>
+          </a:blip>
+          <a:srcRect/>
+          <a:stretch>
+            <a:fillRect/>
+          </a:stretch>
+        </p:blipFill>
+        <p:spPr bwMode="auto">
           <a:xfrm>
-            <a:off x="2011679" y="2808905"/>
-            <a:ext cx="9147497" cy="1015663"/>
+            <a:off x="2672862" y="2798691"/>
+            <a:ext cx="6699737" cy="2985669"/>
           </a:xfrm>
           <a:prstGeom prst="rect">
             <a:avLst/>
           </a:prstGeom>
+          <a:noFill/>
+          <a:extLst>
+            <a:ext uri="{909E8E84-426E-40DD-AFC4-6F175D3DCCD1}">
+              <a14:hiddenFill xmlns:a14="http://schemas.microsoft.com/office/drawing/2010/main">
+                <a:solidFill>
+                  <a:srgbClr val="FFFFFF"/>
+                </a:solidFill>
+              </a14:hiddenFill>
+            </a:ext>
+          </a:extLst>
         </p:spPr>
-        <p:txBody>
-          <a:bodyPr wrap="square">
-            <a:spAutoFit/>
-          </a:bodyPr>
-          <a:lstStyle/>
-          <a:p>
-            <a:r>
-              <a:rPr lang="ru-RU" sz="6000" dirty="0" smtClean="0"/>
-              <a:t>СПАСИБО ЗА </a:t>
-            </a:r>
-            <a:r>
-              <a:rPr lang="ru-RU" sz="6000" dirty="0" smtClean="0"/>
-              <a:t>ВНИМАНИЕ</a:t>
-            </a:r>
-            <a:r>
-              <a:rPr lang="en-US" sz="6000" dirty="0" smtClean="0"/>
-              <a:t>!</a:t>
-            </a:r>
-            <a:endParaRPr lang="ru-RU" sz="6000" dirty="0"/>
-          </a:p>
-        </p:txBody>
-      </p:sp>
+      </p:pic>
     </p:spTree>
     <p:extLst>
       <p:ext uri="{BB962C8B-B14F-4D97-AF65-F5344CB8AC3E}">
-        <p14:creationId xmlns:p14="http://schemas.microsoft.com/office/powerpoint/2010/main" val="1580312327"/>
+        <p14:creationId xmlns:p14="http://schemas.microsoft.com/office/powerpoint/2010/main" val="1802757932"/>
       </p:ext>
     </p:extLst>
   </p:cSld>
@@ -5068,7 +5302,7 @@
   <a:extraClrSchemeLst/>
   <a:extLst>
     <a:ext uri="{05A4C25C-085E-4340-85A3-A5531E510DB2}">
-      <thm15:themeFamily xmlns:thm15="http://schemas.microsoft.com/office/thememl/2012/main" xmlns="" name="Integral" id="{3577F8C9-A904-41D8-97D2-FD898F53F20E}" vid="{090DCB5F-146D-478A-852A-34B16FE9F3A8}"/>
+      <thm15:themeFamily xmlns="" xmlns:thm15="http://schemas.microsoft.com/office/thememl/2012/main" name="Integral" id="{3577F8C9-A904-41D8-97D2-FD898F53F20E}" vid="{090DCB5F-146D-478A-852A-34B16FE9F3A8}"/>
     </a:ext>
   </a:extLst>
 </a:theme>

--- a/report/protal.pptx
+++ b/report/protal.pptx
@@ -14,7 +14,8 @@
     <p:sldId id="264" r:id="rId8"/>
     <p:sldId id="268" r:id="rId9"/>
     <p:sldId id="267" r:id="rId10"/>
-    <p:sldId id="261" r:id="rId11"/>
+    <p:sldId id="269" r:id="rId11"/>
+    <p:sldId id="261" r:id="rId12"/>
   </p:sldIdLst>
   <p:sldSz cx="12192000" cy="6858000"/>
   <p:notesSz cx="6858000" cy="9144000"/>
@@ -311,7 +312,7 @@
           <a:p>
             <a:fld id="{71270693-2A7A-415F-A323-DCBF312A9453}" type="datetimeFigureOut">
               <a:rPr lang="ru-RU" smtClean="0"/>
-              <a:t>08.05.2017</a:t>
+              <a:t>30.05.2017</a:t>
             </a:fld>
             <a:endParaRPr lang="ru-RU"/>
           </a:p>
@@ -516,7 +517,7 @@
           <a:p>
             <a:fld id="{71270693-2A7A-415F-A323-DCBF312A9453}" type="datetimeFigureOut">
               <a:rPr lang="ru-RU" smtClean="0"/>
-              <a:t>08.05.2017</a:t>
+              <a:t>30.05.2017</a:t>
             </a:fld>
             <a:endParaRPr lang="ru-RU"/>
           </a:p>
@@ -696,7 +697,7 @@
           <a:p>
             <a:fld id="{71270693-2A7A-415F-A323-DCBF312A9453}" type="datetimeFigureOut">
               <a:rPr lang="ru-RU" smtClean="0"/>
-              <a:t>08.05.2017</a:t>
+              <a:t>30.05.2017</a:t>
             </a:fld>
             <a:endParaRPr lang="ru-RU"/>
           </a:p>
@@ -901,7 +902,7 @@
           <a:p>
             <a:fld id="{71270693-2A7A-415F-A323-DCBF312A9453}" type="datetimeFigureOut">
               <a:rPr lang="ru-RU" smtClean="0"/>
-              <a:t>08.05.2017</a:t>
+              <a:t>30.05.2017</a:t>
             </a:fld>
             <a:endParaRPr lang="ru-RU"/>
           </a:p>
@@ -1196,7 +1197,7 @@
           <a:p>
             <a:fld id="{71270693-2A7A-415F-A323-DCBF312A9453}" type="datetimeFigureOut">
               <a:rPr lang="ru-RU" smtClean="0"/>
-              <a:t>08.05.2017</a:t>
+              <a:t>30.05.2017</a:t>
             </a:fld>
             <a:endParaRPr lang="ru-RU"/>
           </a:p>
@@ -1468,7 +1469,7 @@
           <a:p>
             <a:fld id="{71270693-2A7A-415F-A323-DCBF312A9453}" type="datetimeFigureOut">
               <a:rPr lang="ru-RU" smtClean="0"/>
-              <a:t>08.05.2017</a:t>
+              <a:t>30.05.2017</a:t>
             </a:fld>
             <a:endParaRPr lang="ru-RU"/>
           </a:p>
@@ -1875,7 +1876,7 @@
           <a:p>
             <a:fld id="{71270693-2A7A-415F-A323-DCBF312A9453}" type="datetimeFigureOut">
               <a:rPr lang="ru-RU" smtClean="0"/>
-              <a:t>08.05.2017</a:t>
+              <a:t>30.05.2017</a:t>
             </a:fld>
             <a:endParaRPr lang="ru-RU"/>
           </a:p>
@@ -1993,7 +1994,7 @@
           <a:p>
             <a:fld id="{71270693-2A7A-415F-A323-DCBF312A9453}" type="datetimeFigureOut">
               <a:rPr lang="ru-RU" smtClean="0"/>
-              <a:t>08.05.2017</a:t>
+              <a:t>30.05.2017</a:t>
             </a:fld>
             <a:endParaRPr lang="ru-RU"/>
           </a:p>
@@ -2088,7 +2089,7 @@
           <a:p>
             <a:fld id="{71270693-2A7A-415F-A323-DCBF312A9453}" type="datetimeFigureOut">
               <a:rPr lang="ru-RU" smtClean="0"/>
-              <a:t>08.05.2017</a:t>
+              <a:t>30.05.2017</a:t>
             </a:fld>
             <a:endParaRPr lang="ru-RU"/>
           </a:p>
@@ -2378,7 +2379,7 @@
           <a:p>
             <a:fld id="{71270693-2A7A-415F-A323-DCBF312A9453}" type="datetimeFigureOut">
               <a:rPr lang="ru-RU" smtClean="0"/>
-              <a:t>08.05.2017</a:t>
+              <a:t>30.05.2017</a:t>
             </a:fld>
             <a:endParaRPr lang="ru-RU"/>
           </a:p>
@@ -2658,7 +2659,7 @@
           <a:p>
             <a:fld id="{71270693-2A7A-415F-A323-DCBF312A9453}" type="datetimeFigureOut">
               <a:rPr lang="ru-RU" smtClean="0"/>
-              <a:t>08.05.2017</a:t>
+              <a:t>30.05.2017</a:t>
             </a:fld>
             <a:endParaRPr lang="ru-RU"/>
           </a:p>
@@ -2908,7 +2909,7 @@
           <a:p>
             <a:fld id="{71270693-2A7A-415F-A323-DCBF312A9453}" type="datetimeFigureOut">
               <a:rPr lang="ru-RU" smtClean="0"/>
-              <a:t>08.05.2017</a:t>
+              <a:t>30.05.2017</a:t>
             </a:fld>
             <a:endParaRPr lang="ru-RU"/>
           </a:p>
@@ -3600,6 +3601,207 @@
       </p:grpSpPr>
       <p:sp>
         <p:nvSpPr>
+          <p:cNvPr id="2" name="Заголовок 1"/>
+          <p:cNvSpPr>
+            <a:spLocks noGrp="1"/>
+          </p:cNvSpPr>
+          <p:nvPr>
+            <p:ph type="title"/>
+          </p:nvPr>
+        </p:nvSpPr>
+        <p:spPr/>
+        <p:txBody>
+          <a:bodyPr/>
+          <a:lstStyle/>
+          <a:p>
+            <a:r>
+              <a:rPr lang="ru-RU" dirty="0" smtClean="0"/>
+              <a:t>Итоги</a:t>
+            </a:r>
+            <a:endParaRPr lang="ru-RU" dirty="0"/>
+          </a:p>
+        </p:txBody>
+      </p:sp>
+      <p:sp>
+        <p:nvSpPr>
+          <p:cNvPr id="3" name="Объект 2"/>
+          <p:cNvSpPr>
+            <a:spLocks noGrp="1"/>
+          </p:cNvSpPr>
+          <p:nvPr>
+            <p:ph idx="1"/>
+          </p:nvPr>
+        </p:nvSpPr>
+        <p:spPr/>
+        <p:txBody>
+          <a:bodyPr/>
+          <a:lstStyle/>
+          <a:p>
+            <a:pPr fontAlgn="base">
+              <a:buFont typeface="Courier New" panose="02070309020205020404" pitchFamily="49" charset="0"/>
+              <a:buChar char="o"/>
+            </a:pPr>
+            <a:r>
+              <a:rPr lang="ru-RU" dirty="0"/>
+              <a:t> </a:t>
+            </a:r>
+            <a:r>
+              <a:rPr lang="ru-RU" dirty="0" smtClean="0"/>
+              <a:t>Реализовано </a:t>
+            </a:r>
+            <a:r>
+              <a:rPr lang="ru-RU" dirty="0"/>
+              <a:t>перемещение героя, турелей, пуль, </a:t>
+            </a:r>
+            <a:r>
+              <a:rPr lang="ru-RU" dirty="0" smtClean="0"/>
+              <a:t>гравитация</a:t>
+            </a:r>
+            <a:endParaRPr lang="ru-RU" dirty="0"/>
+          </a:p>
+          <a:p>
+            <a:pPr fontAlgn="base">
+              <a:buFont typeface="Courier New" panose="02070309020205020404" pitchFamily="49" charset="0"/>
+              <a:buChar char="o"/>
+            </a:pPr>
+            <a:r>
+              <a:rPr lang="ru-RU" dirty="0"/>
+              <a:t> </a:t>
+            </a:r>
+            <a:r>
+              <a:rPr lang="ru-RU" dirty="0" smtClean="0"/>
+              <a:t>Реализовано </a:t>
+            </a:r>
+            <a:r>
+              <a:rPr lang="ru-RU" dirty="0"/>
+              <a:t>управление портальной пушкой, перемещение по порталам </a:t>
+            </a:r>
+          </a:p>
+          <a:p>
+            <a:pPr fontAlgn="base">
+              <a:buFont typeface="Courier New" panose="02070309020205020404" pitchFamily="49" charset="0"/>
+              <a:buChar char="o"/>
+            </a:pPr>
+            <a:r>
+              <a:rPr lang="ru-RU" dirty="0"/>
+              <a:t> </a:t>
+            </a:r>
+            <a:r>
+              <a:rPr lang="ru-RU" dirty="0" smtClean="0"/>
+              <a:t>Реализована таблица </a:t>
+            </a:r>
+            <a:r>
+              <a:rPr lang="ru-RU" dirty="0"/>
+              <a:t>рекордов с возможностью поиска</a:t>
+            </a:r>
+          </a:p>
+          <a:p>
+            <a:pPr fontAlgn="base">
+              <a:buFont typeface="Courier New" panose="02070309020205020404" pitchFamily="49" charset="0"/>
+              <a:buChar char="o"/>
+            </a:pPr>
+            <a:r>
+              <a:rPr lang="ru-RU" dirty="0"/>
+              <a:t> </a:t>
+            </a:r>
+            <a:r>
+              <a:rPr lang="ru-RU" dirty="0" smtClean="0"/>
+              <a:t>Реализовано </a:t>
+            </a:r>
+            <a:r>
+              <a:rPr lang="ru-RU" dirty="0"/>
+              <a:t>ИИ трех видов турелей (статичная, охотник, патрулирующая)</a:t>
+            </a:r>
+          </a:p>
+          <a:p>
+            <a:pPr fontAlgn="base">
+              <a:buFont typeface="Courier New" panose="02070309020205020404" pitchFamily="49" charset="0"/>
+              <a:buChar char="o"/>
+            </a:pPr>
+            <a:r>
+              <a:rPr lang="ru-RU" dirty="0"/>
+              <a:t> </a:t>
+            </a:r>
+            <a:r>
+              <a:rPr lang="ru-RU" dirty="0" smtClean="0"/>
+              <a:t>Написан </a:t>
+            </a:r>
+            <a:r>
+              <a:rPr lang="ru-RU" dirty="0"/>
+              <a:t>отчет </a:t>
+            </a:r>
+            <a:r>
+              <a:rPr lang="ru-RU" dirty="0" smtClean="0"/>
+              <a:t>по </a:t>
+            </a:r>
+            <a:r>
+              <a:rPr lang="ru-RU" dirty="0" smtClean="0"/>
+              <a:t>программе</a:t>
+            </a:r>
+            <a:endParaRPr lang="en-US" dirty="0" smtClean="0"/>
+          </a:p>
+          <a:p>
+            <a:pPr fontAlgn="base">
+              <a:buFont typeface="Courier New" panose="02070309020205020404" pitchFamily="49" charset="0"/>
+              <a:buChar char="o"/>
+            </a:pPr>
+            <a:endParaRPr lang="ru-RU" dirty="0" smtClean="0"/>
+          </a:p>
+          <a:p>
+            <a:pPr marL="0" indent="0" fontAlgn="base">
+              <a:buNone/>
+            </a:pPr>
+            <a:r>
+              <a:rPr lang="ru-RU" dirty="0" smtClean="0"/>
+              <a:t>Строк кода </a:t>
+            </a:r>
+            <a:r>
+              <a:rPr lang="en-US" dirty="0" smtClean="0"/>
+              <a:t>~ 3300</a:t>
+            </a:r>
+            <a:endParaRPr lang="ru-RU" dirty="0" smtClean="0"/>
+          </a:p>
+        </p:txBody>
+      </p:sp>
+    </p:spTree>
+    <p:extLst>
+      <p:ext uri="{BB962C8B-B14F-4D97-AF65-F5344CB8AC3E}">
+        <p14:creationId xmlns:p14="http://schemas.microsoft.com/office/powerpoint/2010/main" val="2783038113"/>
+      </p:ext>
+    </p:extLst>
+  </p:cSld>
+  <p:clrMapOvr>
+    <a:masterClrMapping/>
+  </p:clrMapOvr>
+  <p:timing>
+    <p:tnLst>
+      <p:par>
+        <p:cTn id="1" dur="indefinite" restart="never" nodeType="tmRoot"/>
+      </p:par>
+    </p:tnLst>
+  </p:timing>
+</p:sld>
+</file>
+
+<file path=ppt/slides/slide11.xml><?xml version="1.0" encoding="utf-8"?>
+<p:sld xmlns:a="http://schemas.openxmlformats.org/drawingml/2006/main" xmlns:r="http://schemas.openxmlformats.org/officeDocument/2006/relationships" xmlns:p="http://schemas.openxmlformats.org/presentationml/2006/main">
+  <p:cSld>
+    <p:spTree>
+      <p:nvGrpSpPr>
+        <p:cNvPr id="1" name=""/>
+        <p:cNvGrpSpPr/>
+        <p:nvPr/>
+      </p:nvGrpSpPr>
+      <p:grpSpPr>
+        <a:xfrm>
+          <a:off x="0" y="0"/>
+          <a:ext cx="0" cy="0"/>
+          <a:chOff x="0" y="0"/>
+          <a:chExt cx="0" cy="0"/>
+        </a:xfrm>
+      </p:grpSpPr>
+      <p:sp>
+        <p:nvSpPr>
           <p:cNvPr id="5" name="Прямоугольник 4"/>
           <p:cNvSpPr/>
           <p:nvPr/>
@@ -3933,7 +4135,15 @@
             </a:r>
             <a:r>
               <a:rPr lang="ru-RU" dirty="0"/>
-              <a:t>отчет по написанной программе </a:t>
+              <a:t>отчет </a:t>
+            </a:r>
+            <a:r>
+              <a:rPr lang="ru-RU" dirty="0" smtClean="0"/>
+              <a:t>по </a:t>
+            </a:r>
+            <a:r>
+              <a:rPr lang="ru-RU" dirty="0"/>
+              <a:t>программе </a:t>
             </a:r>
           </a:p>
         </p:txBody>
@@ -4712,11 +4922,11 @@
   <p:clrMapOvr>
     <a:masterClrMapping/>
   </p:clrMapOvr>
-  <mc:AlternateContent xmlns:mc="http://schemas.openxmlformats.org/markup-compatibility/2006">
-    <mc:Choice xmlns:p14="http://schemas.microsoft.com/office/powerpoint/2010/main" Requires="p14">
+  <mc:AlternateContent xmlns:mc="http://schemas.openxmlformats.org/markup-compatibility/2006" xmlns:p14="http://schemas.microsoft.com/office/powerpoint/2010/main">
+    <mc:Choice Requires="p14">
       <p:transition spd="slow" p14:dur="2000"/>
     </mc:Choice>
-    <mc:Fallback>
+    <mc:Fallback xmlns="">
       <p:transition spd="slow"/>
     </mc:Fallback>
   </mc:AlternateContent>
@@ -4999,8 +5209,8 @@
         </p:blipFill>
         <p:spPr bwMode="auto">
           <a:xfrm>
-            <a:off x="2672862" y="2798691"/>
-            <a:ext cx="6699737" cy="2985669"/>
+            <a:off x="3269411" y="2626162"/>
+            <a:ext cx="5538160" cy="2985669"/>
           </a:xfrm>
           <a:prstGeom prst="rect">
             <a:avLst/>
